--- a/Lecture/Data Transformation 3/Data_Transformation_3_Lecture.pptx
+++ b/Lecture/Data Transformation 3/Data_Transformation_3_Lecture.pptx
@@ -290,7 +290,7 @@
               <a:pPr>
                 <a:defRPr/>
               </a:pPr>
-              <a:t>9/6/2019</a:t>
+              <a:t>8/21/2020</a:t>
             </a:fld>
             <a:endParaRPr lang="en-US" dirty="0"/>
           </a:p>
@@ -502,7 +502,7 @@
               <a:pPr>
                 <a:defRPr/>
               </a:pPr>
-              <a:t>9/6/2019</a:t>
+              <a:t>8/21/2020</a:t>
             </a:fld>
             <a:endParaRPr lang="en-US" dirty="0"/>
           </a:p>
@@ -1021,7 +1021,7 @@
               <a:pPr>
                 <a:defRPr/>
               </a:pPr>
-              <a:t>9/6/2019</a:t>
+              <a:t>8/21/2020</a:t>
             </a:fld>
             <a:endParaRPr lang="en-US" dirty="0"/>
           </a:p>
@@ -1211,7 +1211,7 @@
               <a:pPr>
                 <a:defRPr/>
               </a:pPr>
-              <a:t>9/6/2019</a:t>
+              <a:t>8/21/2020</a:t>
             </a:fld>
             <a:endParaRPr lang="en-US" dirty="0"/>
           </a:p>
@@ -1411,7 +1411,7 @@
               <a:pPr>
                 <a:defRPr/>
               </a:pPr>
-              <a:t>9/6/2019</a:t>
+              <a:t>8/21/2020</a:t>
             </a:fld>
             <a:endParaRPr lang="en-US" dirty="0"/>
           </a:p>
@@ -1679,7 +1679,7 @@
               <a:pPr>
                 <a:defRPr/>
               </a:pPr>
-              <a:t>9/6/2019</a:t>
+              <a:t>8/21/2020</a:t>
             </a:fld>
             <a:endParaRPr lang="en-US" dirty="0">
               <a:solidFill>
@@ -1893,7 +1893,7 @@
               <a:pPr>
                 <a:defRPr/>
               </a:pPr>
-              <a:t>9/6/2019</a:t>
+              <a:t>8/21/2020</a:t>
             </a:fld>
             <a:endParaRPr lang="en-US" dirty="0">
               <a:solidFill>
@@ -2184,7 +2184,7 @@
               <a:pPr>
                 <a:defRPr/>
               </a:pPr>
-              <a:t>9/6/2019</a:t>
+              <a:t>8/21/2020</a:t>
             </a:fld>
             <a:endParaRPr lang="en-US" dirty="0">
               <a:solidFill>
@@ -2515,7 +2515,7 @@
               <a:pPr>
                 <a:defRPr/>
               </a:pPr>
-              <a:t>9/6/2019</a:t>
+              <a:t>8/21/2020</a:t>
             </a:fld>
             <a:endParaRPr lang="en-US" dirty="0">
               <a:solidFill>
@@ -2980,7 +2980,7 @@
               <a:pPr>
                 <a:defRPr/>
               </a:pPr>
-              <a:t>9/6/2019</a:t>
+              <a:t>8/21/2020</a:t>
             </a:fld>
             <a:endParaRPr lang="en-US" dirty="0">
               <a:solidFill>
@@ -3143,7 +3143,7 @@
               <a:pPr>
                 <a:defRPr/>
               </a:pPr>
-              <a:t>9/6/2019</a:t>
+              <a:t>8/21/2020</a:t>
             </a:fld>
             <a:endParaRPr lang="en-US" dirty="0">
               <a:solidFill>
@@ -3284,7 +3284,7 @@
               <a:pPr>
                 <a:defRPr/>
               </a:pPr>
-              <a:t>9/6/2019</a:t>
+              <a:t>8/21/2020</a:t>
             </a:fld>
             <a:endParaRPr lang="en-US" dirty="0">
               <a:solidFill>
@@ -3605,7 +3605,7 @@
               <a:pPr>
                 <a:defRPr/>
               </a:pPr>
-              <a:t>9/6/2019</a:t>
+              <a:t>8/21/2020</a:t>
             </a:fld>
             <a:endParaRPr lang="en-US" dirty="0">
               <a:solidFill>
@@ -3813,7 +3813,7 @@
               <a:pPr>
                 <a:defRPr/>
               </a:pPr>
-              <a:t>9/6/2019</a:t>
+              <a:t>8/21/2020</a:t>
             </a:fld>
             <a:endParaRPr lang="en-US" dirty="0"/>
           </a:p>
@@ -4096,7 +4096,7 @@
               <a:pPr>
                 <a:defRPr/>
               </a:pPr>
-              <a:t>9/6/2019</a:t>
+              <a:t>8/21/2020</a:t>
             </a:fld>
             <a:endParaRPr lang="en-US" dirty="0">
               <a:solidFill>
@@ -4310,7 +4310,7 @@
               <a:pPr>
                 <a:defRPr/>
               </a:pPr>
-              <a:t>9/6/2019</a:t>
+              <a:t>8/21/2020</a:t>
             </a:fld>
             <a:endParaRPr lang="en-US" dirty="0">
               <a:solidFill>
@@ -4534,7 +4534,7 @@
               <a:pPr>
                 <a:defRPr/>
               </a:pPr>
-              <a:t>9/6/2019</a:t>
+              <a:t>8/21/2020</a:t>
             </a:fld>
             <a:endParaRPr lang="en-US" dirty="0">
               <a:solidFill>
@@ -4744,7 +4744,7 @@
               <a:pPr>
                 <a:defRPr/>
               </a:pPr>
-              <a:t>9/6/2019</a:t>
+              <a:t>8/21/2020</a:t>
             </a:fld>
             <a:endParaRPr lang="en-US" dirty="0">
               <a:solidFill>
@@ -5021,7 +5021,7 @@
               <a:pPr>
                 <a:defRPr/>
               </a:pPr>
-              <a:t>9/6/2019</a:t>
+              <a:t>8/21/2020</a:t>
             </a:fld>
             <a:endParaRPr lang="en-US" dirty="0"/>
           </a:p>
@@ -5328,7 +5328,7 @@
               <a:pPr>
                 <a:defRPr/>
               </a:pPr>
-              <a:t>9/6/2019</a:t>
+              <a:t>8/21/2020</a:t>
             </a:fld>
             <a:endParaRPr lang="en-US" dirty="0"/>
           </a:p>
@@ -5769,7 +5769,7 @@
               <a:pPr>
                 <a:defRPr/>
               </a:pPr>
-              <a:t>9/6/2019</a:t>
+              <a:t>8/21/2020</a:t>
             </a:fld>
             <a:endParaRPr lang="en-US" dirty="0"/>
           </a:p>
@@ -5908,7 +5908,7 @@
               <a:pPr>
                 <a:defRPr/>
               </a:pPr>
-              <a:t>9/6/2019</a:t>
+              <a:t>8/21/2020</a:t>
             </a:fld>
             <a:endParaRPr lang="en-US" dirty="0"/>
           </a:p>
@@ -6025,7 +6025,7 @@
               <a:pPr>
                 <a:defRPr/>
               </a:pPr>
-              <a:t>9/6/2019</a:t>
+              <a:t>8/21/2020</a:t>
             </a:fld>
             <a:endParaRPr lang="en-US" dirty="0"/>
           </a:p>
@@ -6322,7 +6322,7 @@
               <a:pPr>
                 <a:defRPr/>
               </a:pPr>
-              <a:t>9/6/2019</a:t>
+              <a:t>8/21/2020</a:t>
             </a:fld>
             <a:endParaRPr lang="en-US" dirty="0"/>
           </a:p>
@@ -6599,7 +6599,7 @@
               <a:pPr>
                 <a:defRPr/>
               </a:pPr>
-              <a:t>9/6/2019</a:t>
+              <a:t>8/21/2020</a:t>
             </a:fld>
             <a:endParaRPr lang="en-US" dirty="0"/>
           </a:p>
@@ -6856,7 +6856,7 @@
               <a:pPr>
                 <a:defRPr/>
               </a:pPr>
-              <a:t>9/6/2019</a:t>
+              <a:t>8/21/2020</a:t>
             </a:fld>
             <a:endParaRPr lang="en-US" dirty="0"/>
           </a:p>
@@ -7566,7 +7566,7 @@
               <a:pPr>
                 <a:defRPr/>
               </a:pPr>
-              <a:t>9/6/2019</a:t>
+              <a:t>8/21/2020</a:t>
             </a:fld>
             <a:endParaRPr lang="en-US" dirty="0">
               <a:solidFill>
@@ -11648,7 +11648,7 @@
         <p:spPr>
           <a:xfrm>
             <a:off x="3810000" y="643467"/>
-            <a:ext cx="4953000" cy="4154984"/>
+            <a:ext cx="4953000" cy="3046988"/>
           </a:xfrm>
           <a:prstGeom prst="rect">
             <a:avLst/>
@@ -11754,42 +11754,6 @@
               </a:rPr>
               <a:t>Helpful Functions</a:t>
             </a:r>
-          </a:p>
-          <a:p>
-            <a:pPr marL="800100" lvl="1" indent="-342900">
-              <a:buFont typeface="Arial" panose="020B0604020202020204" pitchFamily="34" charset="0"/>
-              <a:buChar char="•"/>
-            </a:pPr>
-            <a:endParaRPr lang="en-US" dirty="0">
-              <a:solidFill>
-                <a:srgbClr val="404040"/>
-              </a:solidFill>
-            </a:endParaRPr>
-          </a:p>
-          <a:p>
-            <a:pPr marL="342900" indent="-342900">
-              <a:buFont typeface="Arial" panose="020B0604020202020204" pitchFamily="34" charset="0"/>
-              <a:buChar char="•"/>
-            </a:pPr>
-            <a:r>
-              <a:rPr lang="en-US" dirty="0">
-                <a:solidFill>
-                  <a:srgbClr val="404040"/>
-                </a:solidFill>
-              </a:rPr>
-              <a:t>Builds Off Last Tutorial</a:t>
-            </a:r>
-          </a:p>
-          <a:p>
-            <a:pPr marL="342900" indent="-342900">
-              <a:buFont typeface="Arial" panose="020B0604020202020204" pitchFamily="34" charset="0"/>
-              <a:buChar char="•"/>
-            </a:pPr>
-            <a:endParaRPr lang="en-US" dirty="0">
-              <a:solidFill>
-                <a:srgbClr val="404040"/>
-              </a:solidFill>
-            </a:endParaRPr>
           </a:p>
         </p:txBody>
       </p:sp>

--- a/Lecture/Data Transformation 3/Data_Transformation_3_Lecture.pptx
+++ b/Lecture/Data Transformation 3/Data_Transformation_3_Lecture.pptx
@@ -290,7 +290,7 @@
               <a:pPr>
                 <a:defRPr/>
               </a:pPr>
-              <a:t>8/21/2020</a:t>
+              <a:t>9/7/2023</a:t>
             </a:fld>
             <a:endParaRPr lang="en-US" dirty="0"/>
           </a:p>
@@ -502,7 +502,7 @@
               <a:pPr>
                 <a:defRPr/>
               </a:pPr>
-              <a:t>8/21/2020</a:t>
+              <a:t>9/7/2023</a:t>
             </a:fld>
             <a:endParaRPr lang="en-US" dirty="0"/>
           </a:p>
@@ -1021,7 +1021,7 @@
               <a:pPr>
                 <a:defRPr/>
               </a:pPr>
-              <a:t>8/21/2020</a:t>
+              <a:t>9/7/2023</a:t>
             </a:fld>
             <a:endParaRPr lang="en-US" dirty="0"/>
           </a:p>
@@ -1211,7 +1211,7 @@
               <a:pPr>
                 <a:defRPr/>
               </a:pPr>
-              <a:t>8/21/2020</a:t>
+              <a:t>9/7/2023</a:t>
             </a:fld>
             <a:endParaRPr lang="en-US" dirty="0"/>
           </a:p>
@@ -1411,7 +1411,7 @@
               <a:pPr>
                 <a:defRPr/>
               </a:pPr>
-              <a:t>8/21/2020</a:t>
+              <a:t>9/7/2023</a:t>
             </a:fld>
             <a:endParaRPr lang="en-US" dirty="0"/>
           </a:p>
@@ -1679,7 +1679,7 @@
               <a:pPr>
                 <a:defRPr/>
               </a:pPr>
-              <a:t>8/21/2020</a:t>
+              <a:t>9/7/2023</a:t>
             </a:fld>
             <a:endParaRPr lang="en-US" dirty="0">
               <a:solidFill>
@@ -1893,7 +1893,7 @@
               <a:pPr>
                 <a:defRPr/>
               </a:pPr>
-              <a:t>8/21/2020</a:t>
+              <a:t>9/7/2023</a:t>
             </a:fld>
             <a:endParaRPr lang="en-US" dirty="0">
               <a:solidFill>
@@ -2184,7 +2184,7 @@
               <a:pPr>
                 <a:defRPr/>
               </a:pPr>
-              <a:t>8/21/2020</a:t>
+              <a:t>9/7/2023</a:t>
             </a:fld>
             <a:endParaRPr lang="en-US" dirty="0">
               <a:solidFill>
@@ -2515,7 +2515,7 @@
               <a:pPr>
                 <a:defRPr/>
               </a:pPr>
-              <a:t>8/21/2020</a:t>
+              <a:t>9/7/2023</a:t>
             </a:fld>
             <a:endParaRPr lang="en-US" dirty="0">
               <a:solidFill>
@@ -2980,7 +2980,7 @@
               <a:pPr>
                 <a:defRPr/>
               </a:pPr>
-              <a:t>8/21/2020</a:t>
+              <a:t>9/7/2023</a:t>
             </a:fld>
             <a:endParaRPr lang="en-US" dirty="0">
               <a:solidFill>
@@ -3143,7 +3143,7 @@
               <a:pPr>
                 <a:defRPr/>
               </a:pPr>
-              <a:t>8/21/2020</a:t>
+              <a:t>9/7/2023</a:t>
             </a:fld>
             <a:endParaRPr lang="en-US" dirty="0">
               <a:solidFill>
@@ -3284,7 +3284,7 @@
               <a:pPr>
                 <a:defRPr/>
               </a:pPr>
-              <a:t>8/21/2020</a:t>
+              <a:t>9/7/2023</a:t>
             </a:fld>
             <a:endParaRPr lang="en-US" dirty="0">
               <a:solidFill>
@@ -3605,7 +3605,7 @@
               <a:pPr>
                 <a:defRPr/>
               </a:pPr>
-              <a:t>8/21/2020</a:t>
+              <a:t>9/7/2023</a:t>
             </a:fld>
             <a:endParaRPr lang="en-US" dirty="0">
               <a:solidFill>
@@ -3813,7 +3813,7 @@
               <a:pPr>
                 <a:defRPr/>
               </a:pPr>
-              <a:t>8/21/2020</a:t>
+              <a:t>9/7/2023</a:t>
             </a:fld>
             <a:endParaRPr lang="en-US" dirty="0"/>
           </a:p>
@@ -4096,7 +4096,7 @@
               <a:pPr>
                 <a:defRPr/>
               </a:pPr>
-              <a:t>8/21/2020</a:t>
+              <a:t>9/7/2023</a:t>
             </a:fld>
             <a:endParaRPr lang="en-US" dirty="0">
               <a:solidFill>
@@ -4310,7 +4310,7 @@
               <a:pPr>
                 <a:defRPr/>
               </a:pPr>
-              <a:t>8/21/2020</a:t>
+              <a:t>9/7/2023</a:t>
             </a:fld>
             <a:endParaRPr lang="en-US" dirty="0">
               <a:solidFill>
@@ -4534,7 +4534,7 @@
               <a:pPr>
                 <a:defRPr/>
               </a:pPr>
-              <a:t>8/21/2020</a:t>
+              <a:t>9/7/2023</a:t>
             </a:fld>
             <a:endParaRPr lang="en-US" dirty="0">
               <a:solidFill>
@@ -4744,7 +4744,7 @@
               <a:pPr>
                 <a:defRPr/>
               </a:pPr>
-              <a:t>8/21/2020</a:t>
+              <a:t>9/7/2023</a:t>
             </a:fld>
             <a:endParaRPr lang="en-US" dirty="0">
               <a:solidFill>
@@ -5021,7 +5021,7 @@
               <a:pPr>
                 <a:defRPr/>
               </a:pPr>
-              <a:t>8/21/2020</a:t>
+              <a:t>9/7/2023</a:t>
             </a:fld>
             <a:endParaRPr lang="en-US" dirty="0"/>
           </a:p>
@@ -5328,7 +5328,7 @@
               <a:pPr>
                 <a:defRPr/>
               </a:pPr>
-              <a:t>8/21/2020</a:t>
+              <a:t>9/7/2023</a:t>
             </a:fld>
             <a:endParaRPr lang="en-US" dirty="0"/>
           </a:p>
@@ -5769,7 +5769,7 @@
               <a:pPr>
                 <a:defRPr/>
               </a:pPr>
-              <a:t>8/21/2020</a:t>
+              <a:t>9/7/2023</a:t>
             </a:fld>
             <a:endParaRPr lang="en-US" dirty="0"/>
           </a:p>
@@ -5908,7 +5908,7 @@
               <a:pPr>
                 <a:defRPr/>
               </a:pPr>
-              <a:t>8/21/2020</a:t>
+              <a:t>9/7/2023</a:t>
             </a:fld>
             <a:endParaRPr lang="en-US" dirty="0"/>
           </a:p>
@@ -6025,7 +6025,7 @@
               <a:pPr>
                 <a:defRPr/>
               </a:pPr>
-              <a:t>8/21/2020</a:t>
+              <a:t>9/7/2023</a:t>
             </a:fld>
             <a:endParaRPr lang="en-US" dirty="0"/>
           </a:p>
@@ -6322,7 +6322,7 @@
               <a:pPr>
                 <a:defRPr/>
               </a:pPr>
-              <a:t>8/21/2020</a:t>
+              <a:t>9/7/2023</a:t>
             </a:fld>
             <a:endParaRPr lang="en-US" dirty="0"/>
           </a:p>
@@ -6599,7 +6599,7 @@
               <a:pPr>
                 <a:defRPr/>
               </a:pPr>
-              <a:t>8/21/2020</a:t>
+              <a:t>9/7/2023</a:t>
             </a:fld>
             <a:endParaRPr lang="en-US" dirty="0"/>
           </a:p>
@@ -6856,7 +6856,7 @@
               <a:pPr>
                 <a:defRPr/>
               </a:pPr>
-              <a:t>8/21/2020</a:t>
+              <a:t>9/7/2023</a:t>
             </a:fld>
             <a:endParaRPr lang="en-US" dirty="0"/>
           </a:p>
@@ -7566,7 +7566,7 @@
               <a:pPr>
                 <a:defRPr/>
               </a:pPr>
-              <a:t>8/21/2020</a:t>
+              <a:t>9/7/2023</a:t>
             </a:fld>
             <a:endParaRPr lang="en-US" dirty="0">
               <a:solidFill>
@@ -14345,8 +14345,13 @@
             </a:r>
             <a:r>
               <a:rPr lang="en-US" sz="2000" dirty="0"/>
-              <a:t>in Ch. 3)</a:t>
-            </a:r>
+              <a:t>in Ch. </a:t>
+            </a:r>
+            <a:r>
+              <a:rPr lang="en-US" sz="2000"/>
+              <a:t>1)</a:t>
+            </a:r>
+            <a:endParaRPr lang="en-US" sz="2000" dirty="0"/>
           </a:p>
         </p:txBody>
       </p:sp>
